--- a/ref/fronthaul.pptx
+++ b/ref/fronthaul.pptx
@@ -1,12 +1,13 @@
 
 <file path=ppt/presentation.xml><?xml version="1.0" encoding="utf-8"?>
-<p:presentation xmlns:a="http://schemas.openxmlformats.org/drawingml/2006/main" xmlns:r="http://schemas.openxmlformats.org/officeDocument/2006/relationships" xmlns:p="http://schemas.openxmlformats.org/presentationml/2006/main" saveSubsetFonts="1">
+<p:presentation xmlns:a="http://schemas.openxmlformats.org/drawingml/2006/main" xmlns:r="http://schemas.openxmlformats.org/officeDocument/2006/relationships" xmlns:p="http://schemas.openxmlformats.org/presentationml/2006/main">
   <p:sldMasterIdLst>
     <p:sldMasterId id="2147483648" r:id="rId1"/>
   </p:sldMasterIdLst>
   <p:sldIdLst>
-    <p:sldId id="256" r:id="rId2"/>
-    <p:sldId id="257" r:id="rId3"/>
+    <p:sldId id="256" r:id="rId3"/>
+    <p:sldId id="257" r:id="rId4"/>
+    <p:sldId id="258" r:id="rId5"/>
   </p:sldIdLst>
   <p:sldSz cx="12192000" cy="6858000"/>
   <p:notesSz cx="6858000" cy="9144000"/>
@@ -105,22 +106,6 @@
       </a:defRPr>
     </a:lvl9pPr>
   </p:defaultTextStyle>
-  <p:extLst>
-    <p:ext uri="{EFAFB233-063F-42B5-8137-9DF3F51BA10A}">
-      <p15:sldGuideLst xmlns:p15="http://schemas.microsoft.com/office/powerpoint/2012/main">
-        <p15:guide id="1" orient="horz" pos="2160" userDrawn="1">
-          <p15:clr>
-            <a:srgbClr val="A4A3A4"/>
-          </p15:clr>
-        </p15:guide>
-        <p15:guide id="2" pos="3840" userDrawn="1">
-          <p15:clr>
-            <a:srgbClr val="A4A3A4"/>
-          </p15:clr>
-        </p15:guide>
-      </p15:sldGuideLst>
-    </p:ext>
-  </p:extLst>
 </p:presentation>
 </file>
 
@@ -180,7 +165,7 @@
             <a:spLocks noGrp="1"/>
           </p:cNvSpPr>
           <p:nvPr>
-            <p:ph type="subTitle" idx="1"/>
+            <p:ph type="subTitle" idx="1" hasCustomPrompt="1"/>
           </p:nvPr>
         </p:nvSpPr>
         <p:spPr>
@@ -255,7 +240,6 @@
           <a:p>
             <a:fld id="{24D95A80-63E1-413E-90A3-9948477AD3A7}" type="datetimeFigureOut">
               <a:rPr lang="zh-CN" altLang="en-US" smtClean="0"/>
-              <a:t>2019/6/24</a:t>
             </a:fld>
             <a:endParaRPr lang="zh-CN" altLang="en-US"/>
           </a:p>
@@ -297,18 +281,12 @@
           <a:p>
             <a:fld id="{F1DD28D5-0AD3-4146-934F-6EF1C6614206}" type="slidenum">
               <a:rPr lang="zh-CN" altLang="en-US" smtClean="0"/>
-              <a:t>‹#›</a:t>
             </a:fld>
             <a:endParaRPr lang="zh-CN" altLang="en-US"/>
           </a:p>
         </p:txBody>
       </p:sp>
     </p:spTree>
-    <p:extLst>
-      <p:ext uri="{BB962C8B-B14F-4D97-AF65-F5344CB8AC3E}">
-        <p14:creationId xmlns:p14="http://schemas.microsoft.com/office/powerpoint/2010/main" val="1961019183"/>
-      </p:ext>
-    </p:extLst>
   </p:cSld>
   <p:clrMapOvr>
     <a:masterClrMapping/>
@@ -363,7 +341,7 @@
             <a:spLocks noGrp="1"/>
           </p:cNvSpPr>
           <p:nvPr>
-            <p:ph type="body" orient="vert" idx="1"/>
+            <p:ph type="body" orient="vert" idx="1" hasCustomPrompt="1"/>
           </p:nvPr>
         </p:nvSpPr>
         <p:spPr/>
@@ -376,6 +354,7 @@
               <a:rPr lang="zh-CN" altLang="en-US" smtClean="0"/>
               <a:t>编辑母版文本样式</a:t>
             </a:r>
+            <a:endParaRPr lang="zh-CN" altLang="en-US" smtClean="0"/>
           </a:p>
           <a:p>
             <a:pPr lvl="1"/>
@@ -383,6 +362,7 @@
               <a:rPr lang="zh-CN" altLang="en-US" smtClean="0"/>
               <a:t>第二级</a:t>
             </a:r>
+            <a:endParaRPr lang="zh-CN" altLang="en-US" smtClean="0"/>
           </a:p>
           <a:p>
             <a:pPr lvl="2"/>
@@ -390,6 +370,7 @@
               <a:rPr lang="zh-CN" altLang="en-US" smtClean="0"/>
               <a:t>第三级</a:t>
             </a:r>
+            <a:endParaRPr lang="zh-CN" altLang="en-US" smtClean="0"/>
           </a:p>
           <a:p>
             <a:pPr lvl="3"/>
@@ -397,6 +378,7 @@
               <a:rPr lang="zh-CN" altLang="en-US" smtClean="0"/>
               <a:t>第四级</a:t>
             </a:r>
+            <a:endParaRPr lang="zh-CN" altLang="en-US" smtClean="0"/>
           </a:p>
           <a:p>
             <a:pPr lvl="4"/>
@@ -425,7 +407,6 @@
           <a:p>
             <a:fld id="{24D95A80-63E1-413E-90A3-9948477AD3A7}" type="datetimeFigureOut">
               <a:rPr lang="zh-CN" altLang="en-US" smtClean="0"/>
-              <a:t>2019/6/24</a:t>
             </a:fld>
             <a:endParaRPr lang="zh-CN" altLang="en-US"/>
           </a:p>
@@ -467,18 +448,12 @@
           <a:p>
             <a:fld id="{F1DD28D5-0AD3-4146-934F-6EF1C6614206}" type="slidenum">
               <a:rPr lang="zh-CN" altLang="en-US" smtClean="0"/>
-              <a:t>‹#›</a:t>
             </a:fld>
             <a:endParaRPr lang="zh-CN" altLang="en-US"/>
           </a:p>
         </p:txBody>
       </p:sp>
     </p:spTree>
-    <p:extLst>
-      <p:ext uri="{BB962C8B-B14F-4D97-AF65-F5344CB8AC3E}">
-        <p14:creationId xmlns:p14="http://schemas.microsoft.com/office/powerpoint/2010/main" val="81567954"/>
-      </p:ext>
-    </p:extLst>
   </p:cSld>
   <p:clrMapOvr>
     <a:masterClrMapping/>
@@ -538,7 +513,7 @@
             <a:spLocks noGrp="1"/>
           </p:cNvSpPr>
           <p:nvPr>
-            <p:ph type="body" orient="vert" idx="1"/>
+            <p:ph type="body" orient="vert" idx="1" hasCustomPrompt="1"/>
           </p:nvPr>
         </p:nvSpPr>
         <p:spPr>
@@ -556,6 +531,7 @@
               <a:rPr lang="zh-CN" altLang="en-US" smtClean="0"/>
               <a:t>编辑母版文本样式</a:t>
             </a:r>
+            <a:endParaRPr lang="zh-CN" altLang="en-US" smtClean="0"/>
           </a:p>
           <a:p>
             <a:pPr lvl="1"/>
@@ -563,6 +539,7 @@
               <a:rPr lang="zh-CN" altLang="en-US" smtClean="0"/>
               <a:t>第二级</a:t>
             </a:r>
+            <a:endParaRPr lang="zh-CN" altLang="en-US" smtClean="0"/>
           </a:p>
           <a:p>
             <a:pPr lvl="2"/>
@@ -570,6 +547,7 @@
               <a:rPr lang="zh-CN" altLang="en-US" smtClean="0"/>
               <a:t>第三级</a:t>
             </a:r>
+            <a:endParaRPr lang="zh-CN" altLang="en-US" smtClean="0"/>
           </a:p>
           <a:p>
             <a:pPr lvl="3"/>
@@ -577,6 +555,7 @@
               <a:rPr lang="zh-CN" altLang="en-US" smtClean="0"/>
               <a:t>第四级</a:t>
             </a:r>
+            <a:endParaRPr lang="zh-CN" altLang="en-US" smtClean="0"/>
           </a:p>
           <a:p>
             <a:pPr lvl="4"/>
@@ -605,7 +584,6 @@
           <a:p>
             <a:fld id="{24D95A80-63E1-413E-90A3-9948477AD3A7}" type="datetimeFigureOut">
               <a:rPr lang="zh-CN" altLang="en-US" smtClean="0"/>
-              <a:t>2019/6/24</a:t>
             </a:fld>
             <a:endParaRPr lang="zh-CN" altLang="en-US"/>
           </a:p>
@@ -647,18 +625,12 @@
           <a:p>
             <a:fld id="{F1DD28D5-0AD3-4146-934F-6EF1C6614206}" type="slidenum">
               <a:rPr lang="zh-CN" altLang="en-US" smtClean="0"/>
-              <a:t>‹#›</a:t>
             </a:fld>
             <a:endParaRPr lang="zh-CN" altLang="en-US"/>
           </a:p>
         </p:txBody>
       </p:sp>
     </p:spTree>
-    <p:extLst>
-      <p:ext uri="{BB962C8B-B14F-4D97-AF65-F5344CB8AC3E}">
-        <p14:creationId xmlns:p14="http://schemas.microsoft.com/office/powerpoint/2010/main" val="785550544"/>
-      </p:ext>
-    </p:extLst>
   </p:cSld>
   <p:clrMapOvr>
     <a:masterClrMapping/>
@@ -713,7 +685,7 @@
             <a:spLocks noGrp="1"/>
           </p:cNvSpPr>
           <p:nvPr>
-            <p:ph idx="1"/>
+            <p:ph idx="1" hasCustomPrompt="1"/>
           </p:nvPr>
         </p:nvSpPr>
         <p:spPr/>
@@ -726,6 +698,7 @@
               <a:rPr lang="zh-CN" altLang="en-US" smtClean="0"/>
               <a:t>编辑母版文本样式</a:t>
             </a:r>
+            <a:endParaRPr lang="zh-CN" altLang="en-US" smtClean="0"/>
           </a:p>
           <a:p>
             <a:pPr lvl="1"/>
@@ -733,6 +706,7 @@
               <a:rPr lang="zh-CN" altLang="en-US" smtClean="0"/>
               <a:t>第二级</a:t>
             </a:r>
+            <a:endParaRPr lang="zh-CN" altLang="en-US" smtClean="0"/>
           </a:p>
           <a:p>
             <a:pPr lvl="2"/>
@@ -740,6 +714,7 @@
               <a:rPr lang="zh-CN" altLang="en-US" smtClean="0"/>
               <a:t>第三级</a:t>
             </a:r>
+            <a:endParaRPr lang="zh-CN" altLang="en-US" smtClean="0"/>
           </a:p>
           <a:p>
             <a:pPr lvl="3"/>
@@ -747,6 +722,7 @@
               <a:rPr lang="zh-CN" altLang="en-US" smtClean="0"/>
               <a:t>第四级</a:t>
             </a:r>
+            <a:endParaRPr lang="zh-CN" altLang="en-US" smtClean="0"/>
           </a:p>
           <a:p>
             <a:pPr lvl="4"/>
@@ -775,7 +751,6 @@
           <a:p>
             <a:fld id="{24D95A80-63E1-413E-90A3-9948477AD3A7}" type="datetimeFigureOut">
               <a:rPr lang="zh-CN" altLang="en-US" smtClean="0"/>
-              <a:t>2019/6/24</a:t>
             </a:fld>
             <a:endParaRPr lang="zh-CN" altLang="en-US"/>
           </a:p>
@@ -817,18 +792,12 @@
           <a:p>
             <a:fld id="{F1DD28D5-0AD3-4146-934F-6EF1C6614206}" type="slidenum">
               <a:rPr lang="zh-CN" altLang="en-US" smtClean="0"/>
-              <a:t>‹#›</a:t>
             </a:fld>
             <a:endParaRPr lang="zh-CN" altLang="en-US"/>
           </a:p>
         </p:txBody>
       </p:sp>
     </p:spTree>
-    <p:extLst>
-      <p:ext uri="{BB962C8B-B14F-4D97-AF65-F5344CB8AC3E}">
-        <p14:creationId xmlns:p14="http://schemas.microsoft.com/office/powerpoint/2010/main" val="3030539640"/>
-      </p:ext>
-    </p:extLst>
   </p:cSld>
   <p:clrMapOvr>
     <a:masterClrMapping/>
@@ -892,7 +861,7 @@
             <a:spLocks noGrp="1"/>
           </p:cNvSpPr>
           <p:nvPr>
-            <p:ph type="body" idx="1"/>
+            <p:ph type="body" idx="1" hasCustomPrompt="1"/>
           </p:nvPr>
         </p:nvSpPr>
         <p:spPr>
@@ -1001,6 +970,7 @@
               <a:rPr lang="zh-CN" altLang="en-US" smtClean="0"/>
               <a:t>编辑母版文本样式</a:t>
             </a:r>
+            <a:endParaRPr lang="zh-CN" altLang="en-US" smtClean="0"/>
           </a:p>
         </p:txBody>
       </p:sp>
@@ -1021,7 +991,6 @@
           <a:p>
             <a:fld id="{24D95A80-63E1-413E-90A3-9948477AD3A7}" type="datetimeFigureOut">
               <a:rPr lang="zh-CN" altLang="en-US" smtClean="0"/>
-              <a:t>2019/6/24</a:t>
             </a:fld>
             <a:endParaRPr lang="zh-CN" altLang="en-US"/>
           </a:p>
@@ -1063,18 +1032,12 @@
           <a:p>
             <a:fld id="{F1DD28D5-0AD3-4146-934F-6EF1C6614206}" type="slidenum">
               <a:rPr lang="zh-CN" altLang="en-US" smtClean="0"/>
-              <a:t>‹#›</a:t>
             </a:fld>
             <a:endParaRPr lang="zh-CN" altLang="en-US"/>
           </a:p>
         </p:txBody>
       </p:sp>
     </p:spTree>
-    <p:extLst>
-      <p:ext uri="{BB962C8B-B14F-4D97-AF65-F5344CB8AC3E}">
-        <p14:creationId xmlns:p14="http://schemas.microsoft.com/office/powerpoint/2010/main" val="609989166"/>
-      </p:ext>
-    </p:extLst>
   </p:cSld>
   <p:clrMapOvr>
     <a:masterClrMapping/>
@@ -1129,7 +1092,7 @@
             <a:spLocks noGrp="1"/>
           </p:cNvSpPr>
           <p:nvPr>
-            <p:ph sz="half" idx="1"/>
+            <p:ph sz="half" idx="1" hasCustomPrompt="1"/>
           </p:nvPr>
         </p:nvSpPr>
         <p:spPr>
@@ -1147,6 +1110,7 @@
               <a:rPr lang="zh-CN" altLang="en-US" smtClean="0"/>
               <a:t>编辑母版文本样式</a:t>
             </a:r>
+            <a:endParaRPr lang="zh-CN" altLang="en-US" smtClean="0"/>
           </a:p>
           <a:p>
             <a:pPr lvl="1"/>
@@ -1154,6 +1118,7 @@
               <a:rPr lang="zh-CN" altLang="en-US" smtClean="0"/>
               <a:t>第二级</a:t>
             </a:r>
+            <a:endParaRPr lang="zh-CN" altLang="en-US" smtClean="0"/>
           </a:p>
           <a:p>
             <a:pPr lvl="2"/>
@@ -1161,6 +1126,7 @@
               <a:rPr lang="zh-CN" altLang="en-US" smtClean="0"/>
               <a:t>第三级</a:t>
             </a:r>
+            <a:endParaRPr lang="zh-CN" altLang="en-US" smtClean="0"/>
           </a:p>
           <a:p>
             <a:pPr lvl="3"/>
@@ -1168,6 +1134,7 @@
               <a:rPr lang="zh-CN" altLang="en-US" smtClean="0"/>
               <a:t>第四级</a:t>
             </a:r>
+            <a:endParaRPr lang="zh-CN" altLang="en-US" smtClean="0"/>
           </a:p>
           <a:p>
             <a:pPr lvl="4"/>
@@ -1186,7 +1153,7 @@
             <a:spLocks noGrp="1"/>
           </p:cNvSpPr>
           <p:nvPr>
-            <p:ph sz="half" idx="2"/>
+            <p:ph sz="half" idx="2" hasCustomPrompt="1"/>
           </p:nvPr>
         </p:nvSpPr>
         <p:spPr>
@@ -1204,6 +1171,7 @@
               <a:rPr lang="zh-CN" altLang="en-US" smtClean="0"/>
               <a:t>编辑母版文本样式</a:t>
             </a:r>
+            <a:endParaRPr lang="zh-CN" altLang="en-US" smtClean="0"/>
           </a:p>
           <a:p>
             <a:pPr lvl="1"/>
@@ -1211,6 +1179,7 @@
               <a:rPr lang="zh-CN" altLang="en-US" smtClean="0"/>
               <a:t>第二级</a:t>
             </a:r>
+            <a:endParaRPr lang="zh-CN" altLang="en-US" smtClean="0"/>
           </a:p>
           <a:p>
             <a:pPr lvl="2"/>
@@ -1218,6 +1187,7 @@
               <a:rPr lang="zh-CN" altLang="en-US" smtClean="0"/>
               <a:t>第三级</a:t>
             </a:r>
+            <a:endParaRPr lang="zh-CN" altLang="en-US" smtClean="0"/>
           </a:p>
           <a:p>
             <a:pPr lvl="3"/>
@@ -1225,6 +1195,7 @@
               <a:rPr lang="zh-CN" altLang="en-US" smtClean="0"/>
               <a:t>第四级</a:t>
             </a:r>
+            <a:endParaRPr lang="zh-CN" altLang="en-US" smtClean="0"/>
           </a:p>
           <a:p>
             <a:pPr lvl="4"/>
@@ -1253,7 +1224,6 @@
           <a:p>
             <a:fld id="{24D95A80-63E1-413E-90A3-9948477AD3A7}" type="datetimeFigureOut">
               <a:rPr lang="zh-CN" altLang="en-US" smtClean="0"/>
-              <a:t>2019/6/24</a:t>
             </a:fld>
             <a:endParaRPr lang="zh-CN" altLang="en-US"/>
           </a:p>
@@ -1295,18 +1265,12 @@
           <a:p>
             <a:fld id="{F1DD28D5-0AD3-4146-934F-6EF1C6614206}" type="slidenum">
               <a:rPr lang="zh-CN" altLang="en-US" smtClean="0"/>
-              <a:t>‹#›</a:t>
             </a:fld>
             <a:endParaRPr lang="zh-CN" altLang="en-US"/>
           </a:p>
         </p:txBody>
       </p:sp>
     </p:spTree>
-    <p:extLst>
-      <p:ext uri="{BB962C8B-B14F-4D97-AF65-F5344CB8AC3E}">
-        <p14:creationId xmlns:p14="http://schemas.microsoft.com/office/powerpoint/2010/main" val="1404098478"/>
-      </p:ext>
-    </p:extLst>
   </p:cSld>
   <p:clrMapOvr>
     <a:masterClrMapping/>
@@ -1366,7 +1330,7 @@
             <a:spLocks noGrp="1"/>
           </p:cNvSpPr>
           <p:nvPr>
-            <p:ph type="body" idx="1"/>
+            <p:ph type="body" idx="1" hasCustomPrompt="1"/>
           </p:nvPr>
         </p:nvSpPr>
         <p:spPr>
@@ -1421,6 +1385,7 @@
               <a:rPr lang="zh-CN" altLang="en-US" smtClean="0"/>
               <a:t>编辑母版文本样式</a:t>
             </a:r>
+            <a:endParaRPr lang="zh-CN" altLang="en-US" smtClean="0"/>
           </a:p>
         </p:txBody>
       </p:sp>
@@ -1431,7 +1396,7 @@
             <a:spLocks noGrp="1"/>
           </p:cNvSpPr>
           <p:nvPr>
-            <p:ph sz="half" idx="2"/>
+            <p:ph sz="half" idx="2" hasCustomPrompt="1"/>
           </p:nvPr>
         </p:nvSpPr>
         <p:spPr>
@@ -1449,6 +1414,7 @@
               <a:rPr lang="zh-CN" altLang="en-US" smtClean="0"/>
               <a:t>编辑母版文本样式</a:t>
             </a:r>
+            <a:endParaRPr lang="zh-CN" altLang="en-US" smtClean="0"/>
           </a:p>
           <a:p>
             <a:pPr lvl="1"/>
@@ -1456,6 +1422,7 @@
               <a:rPr lang="zh-CN" altLang="en-US" smtClean="0"/>
               <a:t>第二级</a:t>
             </a:r>
+            <a:endParaRPr lang="zh-CN" altLang="en-US" smtClean="0"/>
           </a:p>
           <a:p>
             <a:pPr lvl="2"/>
@@ -1463,6 +1430,7 @@
               <a:rPr lang="zh-CN" altLang="en-US" smtClean="0"/>
               <a:t>第三级</a:t>
             </a:r>
+            <a:endParaRPr lang="zh-CN" altLang="en-US" smtClean="0"/>
           </a:p>
           <a:p>
             <a:pPr lvl="3"/>
@@ -1470,6 +1438,7 @@
               <a:rPr lang="zh-CN" altLang="en-US" smtClean="0"/>
               <a:t>第四级</a:t>
             </a:r>
+            <a:endParaRPr lang="zh-CN" altLang="en-US" smtClean="0"/>
           </a:p>
           <a:p>
             <a:pPr lvl="4"/>
@@ -1488,7 +1457,7 @@
             <a:spLocks noGrp="1"/>
           </p:cNvSpPr>
           <p:nvPr>
-            <p:ph type="body" sz="quarter" idx="3"/>
+            <p:ph type="body" sz="quarter" idx="3" hasCustomPrompt="1"/>
           </p:nvPr>
         </p:nvSpPr>
         <p:spPr>
@@ -1543,6 +1512,7 @@
               <a:rPr lang="zh-CN" altLang="en-US" smtClean="0"/>
               <a:t>编辑母版文本样式</a:t>
             </a:r>
+            <a:endParaRPr lang="zh-CN" altLang="en-US" smtClean="0"/>
           </a:p>
         </p:txBody>
       </p:sp>
@@ -1553,7 +1523,7 @@
             <a:spLocks noGrp="1"/>
           </p:cNvSpPr>
           <p:nvPr>
-            <p:ph sz="quarter" idx="4"/>
+            <p:ph sz="quarter" idx="4" hasCustomPrompt="1"/>
           </p:nvPr>
         </p:nvSpPr>
         <p:spPr>
@@ -1571,6 +1541,7 @@
               <a:rPr lang="zh-CN" altLang="en-US" smtClean="0"/>
               <a:t>编辑母版文本样式</a:t>
             </a:r>
+            <a:endParaRPr lang="zh-CN" altLang="en-US" smtClean="0"/>
           </a:p>
           <a:p>
             <a:pPr lvl="1"/>
@@ -1578,6 +1549,7 @@
               <a:rPr lang="zh-CN" altLang="en-US" smtClean="0"/>
               <a:t>第二级</a:t>
             </a:r>
+            <a:endParaRPr lang="zh-CN" altLang="en-US" smtClean="0"/>
           </a:p>
           <a:p>
             <a:pPr lvl="2"/>
@@ -1585,6 +1557,7 @@
               <a:rPr lang="zh-CN" altLang="en-US" smtClean="0"/>
               <a:t>第三级</a:t>
             </a:r>
+            <a:endParaRPr lang="zh-CN" altLang="en-US" smtClean="0"/>
           </a:p>
           <a:p>
             <a:pPr lvl="3"/>
@@ -1592,6 +1565,7 @@
               <a:rPr lang="zh-CN" altLang="en-US" smtClean="0"/>
               <a:t>第四级</a:t>
             </a:r>
+            <a:endParaRPr lang="zh-CN" altLang="en-US" smtClean="0"/>
           </a:p>
           <a:p>
             <a:pPr lvl="4"/>
@@ -1620,7 +1594,6 @@
           <a:p>
             <a:fld id="{24D95A80-63E1-413E-90A3-9948477AD3A7}" type="datetimeFigureOut">
               <a:rPr lang="zh-CN" altLang="en-US" smtClean="0"/>
-              <a:t>2019/6/24</a:t>
             </a:fld>
             <a:endParaRPr lang="zh-CN" altLang="en-US"/>
           </a:p>
@@ -1662,18 +1635,12 @@
           <a:p>
             <a:fld id="{F1DD28D5-0AD3-4146-934F-6EF1C6614206}" type="slidenum">
               <a:rPr lang="zh-CN" altLang="en-US" smtClean="0"/>
-              <a:t>‹#›</a:t>
             </a:fld>
             <a:endParaRPr lang="zh-CN" altLang="en-US"/>
           </a:p>
         </p:txBody>
       </p:sp>
     </p:spTree>
-    <p:extLst>
-      <p:ext uri="{BB962C8B-B14F-4D97-AF65-F5344CB8AC3E}">
-        <p14:creationId xmlns:p14="http://schemas.microsoft.com/office/powerpoint/2010/main" val="2533363495"/>
-      </p:ext>
-    </p:extLst>
   </p:cSld>
   <p:clrMapOvr>
     <a:masterClrMapping/>
@@ -1738,7 +1705,6 @@
           <a:p>
             <a:fld id="{24D95A80-63E1-413E-90A3-9948477AD3A7}" type="datetimeFigureOut">
               <a:rPr lang="zh-CN" altLang="en-US" smtClean="0"/>
-              <a:t>2019/6/24</a:t>
             </a:fld>
             <a:endParaRPr lang="zh-CN" altLang="en-US"/>
           </a:p>
@@ -1780,18 +1746,12 @@
           <a:p>
             <a:fld id="{F1DD28D5-0AD3-4146-934F-6EF1C6614206}" type="slidenum">
               <a:rPr lang="zh-CN" altLang="en-US" smtClean="0"/>
-              <a:t>‹#›</a:t>
             </a:fld>
             <a:endParaRPr lang="zh-CN" altLang="en-US"/>
           </a:p>
         </p:txBody>
       </p:sp>
     </p:spTree>
-    <p:extLst>
-      <p:ext uri="{BB962C8B-B14F-4D97-AF65-F5344CB8AC3E}">
-        <p14:creationId xmlns:p14="http://schemas.microsoft.com/office/powerpoint/2010/main" val="3120149267"/>
-      </p:ext>
-    </p:extLst>
   </p:cSld>
   <p:clrMapOvr>
     <a:masterClrMapping/>
@@ -1833,7 +1793,6 @@
           <a:p>
             <a:fld id="{24D95A80-63E1-413E-90A3-9948477AD3A7}" type="datetimeFigureOut">
               <a:rPr lang="zh-CN" altLang="en-US" smtClean="0"/>
-              <a:t>2019/6/24</a:t>
             </a:fld>
             <a:endParaRPr lang="zh-CN" altLang="en-US"/>
           </a:p>
@@ -1875,18 +1834,12 @@
           <a:p>
             <a:fld id="{F1DD28D5-0AD3-4146-934F-6EF1C6614206}" type="slidenum">
               <a:rPr lang="zh-CN" altLang="en-US" smtClean="0"/>
-              <a:t>‹#›</a:t>
             </a:fld>
             <a:endParaRPr lang="zh-CN" altLang="en-US"/>
           </a:p>
         </p:txBody>
       </p:sp>
     </p:spTree>
-    <p:extLst>
-      <p:ext uri="{BB962C8B-B14F-4D97-AF65-F5344CB8AC3E}">
-        <p14:creationId xmlns:p14="http://schemas.microsoft.com/office/powerpoint/2010/main" val="214604644"/>
-      </p:ext>
-    </p:extLst>
   </p:cSld>
   <p:clrMapOvr>
     <a:masterClrMapping/>
@@ -1950,7 +1903,7 @@
             <a:spLocks noGrp="1"/>
           </p:cNvSpPr>
           <p:nvPr>
-            <p:ph idx="1"/>
+            <p:ph idx="1" hasCustomPrompt="1"/>
           </p:nvPr>
         </p:nvSpPr>
         <p:spPr>
@@ -1996,6 +1949,7 @@
               <a:rPr lang="zh-CN" altLang="en-US" smtClean="0"/>
               <a:t>编辑母版文本样式</a:t>
             </a:r>
+            <a:endParaRPr lang="zh-CN" altLang="en-US" smtClean="0"/>
           </a:p>
           <a:p>
             <a:pPr lvl="1"/>
@@ -2003,6 +1957,7 @@
               <a:rPr lang="zh-CN" altLang="en-US" smtClean="0"/>
               <a:t>第二级</a:t>
             </a:r>
+            <a:endParaRPr lang="zh-CN" altLang="en-US" smtClean="0"/>
           </a:p>
           <a:p>
             <a:pPr lvl="2"/>
@@ -2010,6 +1965,7 @@
               <a:rPr lang="zh-CN" altLang="en-US" smtClean="0"/>
               <a:t>第三级</a:t>
             </a:r>
+            <a:endParaRPr lang="zh-CN" altLang="en-US" smtClean="0"/>
           </a:p>
           <a:p>
             <a:pPr lvl="3"/>
@@ -2017,6 +1973,7 @@
               <a:rPr lang="zh-CN" altLang="en-US" smtClean="0"/>
               <a:t>第四级</a:t>
             </a:r>
+            <a:endParaRPr lang="zh-CN" altLang="en-US" smtClean="0"/>
           </a:p>
           <a:p>
             <a:pPr lvl="4"/>
@@ -2035,7 +1992,7 @@
             <a:spLocks noGrp="1"/>
           </p:cNvSpPr>
           <p:nvPr>
-            <p:ph type="body" sz="half" idx="2"/>
+            <p:ph type="body" sz="half" idx="2" hasCustomPrompt="1"/>
           </p:nvPr>
         </p:nvSpPr>
         <p:spPr>
@@ -2090,6 +2047,7 @@
               <a:rPr lang="zh-CN" altLang="en-US" smtClean="0"/>
               <a:t>编辑母版文本样式</a:t>
             </a:r>
+            <a:endParaRPr lang="zh-CN" altLang="en-US" smtClean="0"/>
           </a:p>
         </p:txBody>
       </p:sp>
@@ -2110,7 +2068,6 @@
           <a:p>
             <a:fld id="{24D95A80-63E1-413E-90A3-9948477AD3A7}" type="datetimeFigureOut">
               <a:rPr lang="zh-CN" altLang="en-US" smtClean="0"/>
-              <a:t>2019/6/24</a:t>
             </a:fld>
             <a:endParaRPr lang="zh-CN" altLang="en-US"/>
           </a:p>
@@ -2152,18 +2109,12 @@
           <a:p>
             <a:fld id="{F1DD28D5-0AD3-4146-934F-6EF1C6614206}" type="slidenum">
               <a:rPr lang="zh-CN" altLang="en-US" smtClean="0"/>
-              <a:t>‹#›</a:t>
             </a:fld>
             <a:endParaRPr lang="zh-CN" altLang="en-US"/>
           </a:p>
         </p:txBody>
       </p:sp>
     </p:spTree>
-    <p:extLst>
-      <p:ext uri="{BB962C8B-B14F-4D97-AF65-F5344CB8AC3E}">
-        <p14:creationId xmlns:p14="http://schemas.microsoft.com/office/powerpoint/2010/main" val="3043838111"/>
-      </p:ext>
-    </p:extLst>
   </p:cSld>
   <p:clrMapOvr>
     <a:masterClrMapping/>
@@ -2288,7 +2239,7 @@
             <a:spLocks noGrp="1"/>
           </p:cNvSpPr>
           <p:nvPr>
-            <p:ph type="body" sz="half" idx="2"/>
+            <p:ph type="body" sz="half" idx="2" hasCustomPrompt="1"/>
           </p:nvPr>
         </p:nvSpPr>
         <p:spPr>
@@ -2343,6 +2294,7 @@
               <a:rPr lang="zh-CN" altLang="en-US" smtClean="0"/>
               <a:t>编辑母版文本样式</a:t>
             </a:r>
+            <a:endParaRPr lang="zh-CN" altLang="en-US" smtClean="0"/>
           </a:p>
         </p:txBody>
       </p:sp>
@@ -2363,7 +2315,6 @@
           <a:p>
             <a:fld id="{24D95A80-63E1-413E-90A3-9948477AD3A7}" type="datetimeFigureOut">
               <a:rPr lang="zh-CN" altLang="en-US" smtClean="0"/>
-              <a:t>2019/6/24</a:t>
             </a:fld>
             <a:endParaRPr lang="zh-CN" altLang="en-US"/>
           </a:p>
@@ -2405,18 +2356,12 @@
           <a:p>
             <a:fld id="{F1DD28D5-0AD3-4146-934F-6EF1C6614206}" type="slidenum">
               <a:rPr lang="zh-CN" altLang="en-US" smtClean="0"/>
-              <a:t>‹#›</a:t>
             </a:fld>
             <a:endParaRPr lang="zh-CN" altLang="en-US"/>
           </a:p>
         </p:txBody>
       </p:sp>
     </p:spTree>
-    <p:extLst>
-      <p:ext uri="{BB962C8B-B14F-4D97-AF65-F5344CB8AC3E}">
-        <p14:creationId xmlns:p14="http://schemas.microsoft.com/office/powerpoint/2010/main" val="3901748953"/>
-      </p:ext>
-    </p:extLst>
   </p:cSld>
   <p:clrMapOvr>
     <a:masterClrMapping/>
@@ -2509,6 +2454,7 @@
               <a:rPr lang="zh-CN" altLang="en-US" smtClean="0"/>
               <a:t>编辑母版文本样式</a:t>
             </a:r>
+            <a:endParaRPr lang="zh-CN" altLang="en-US" smtClean="0"/>
           </a:p>
           <a:p>
             <a:pPr lvl="1"/>
@@ -2516,6 +2462,7 @@
               <a:rPr lang="zh-CN" altLang="en-US" smtClean="0"/>
               <a:t>第二级</a:t>
             </a:r>
+            <a:endParaRPr lang="zh-CN" altLang="en-US" smtClean="0"/>
           </a:p>
           <a:p>
             <a:pPr lvl="2"/>
@@ -2523,6 +2470,7 @@
               <a:rPr lang="zh-CN" altLang="en-US" smtClean="0"/>
               <a:t>第三级</a:t>
             </a:r>
+            <a:endParaRPr lang="zh-CN" altLang="en-US" smtClean="0"/>
           </a:p>
           <a:p>
             <a:pPr lvl="3"/>
@@ -2530,6 +2478,7 @@
               <a:rPr lang="zh-CN" altLang="en-US" smtClean="0"/>
               <a:t>第四级</a:t>
             </a:r>
+            <a:endParaRPr lang="zh-CN" altLang="en-US" smtClean="0"/>
           </a:p>
           <a:p>
             <a:pPr lvl="4"/>
@@ -2576,7 +2525,6 @@
           <a:p>
             <a:fld id="{24D95A80-63E1-413E-90A3-9948477AD3A7}" type="datetimeFigureOut">
               <a:rPr lang="zh-CN" altLang="en-US" smtClean="0"/>
-              <a:t>2019/6/24</a:t>
             </a:fld>
             <a:endParaRPr lang="zh-CN" altLang="en-US"/>
           </a:p>
@@ -2654,18 +2602,12 @@
           <a:p>
             <a:fld id="{F1DD28D5-0AD3-4146-934F-6EF1C6614206}" type="slidenum">
               <a:rPr lang="zh-CN" altLang="en-US" smtClean="0"/>
-              <a:t>‹#›</a:t>
             </a:fld>
             <a:endParaRPr lang="zh-CN" altLang="en-US"/>
           </a:p>
         </p:txBody>
       </p:sp>
     </p:spTree>
-    <p:extLst>
-      <p:ext uri="{BB962C8B-B14F-4D97-AF65-F5344CB8AC3E}">
-        <p14:creationId xmlns:p14="http://schemas.microsoft.com/office/powerpoint/2010/main" val="801798718"/>
-      </p:ext>
-    </p:extLst>
   </p:cSld>
   <p:clrMap bg1="lt1" tx1="dk1" bg2="lt2" tx2="dk2" accent1="accent1" accent2="accent2" accent3="accent3" accent4="accent4" accent5="accent5" accent6="accent6" hlink="hlink" folHlink="folHlink"/>
   <p:sldLayoutIdLst>
@@ -2709,7 +2651,7 @@
         <a:spcBef>
           <a:spcPts val="1000"/>
         </a:spcBef>
-        <a:buFont typeface="Arial" panose="020B0604020202020204" pitchFamily="34" charset="0"/>
+        <a:buFont typeface="Arial" panose="02080604020202020204" pitchFamily="34" charset="0"/>
         <a:buChar char="•"/>
         <a:defRPr sz="2800" kern="1200">
           <a:solidFill>
@@ -2727,7 +2669,7 @@
         <a:spcBef>
           <a:spcPts val="500"/>
         </a:spcBef>
-        <a:buFont typeface="Arial" panose="020B0604020202020204" pitchFamily="34" charset="0"/>
+        <a:buFont typeface="Arial" panose="02080604020202020204" pitchFamily="34" charset="0"/>
         <a:buChar char="•"/>
         <a:defRPr sz="2400" kern="1200">
           <a:solidFill>
@@ -2745,7 +2687,7 @@
         <a:spcBef>
           <a:spcPts val="500"/>
         </a:spcBef>
-        <a:buFont typeface="Arial" panose="020B0604020202020204" pitchFamily="34" charset="0"/>
+        <a:buFont typeface="Arial" panose="02080604020202020204" pitchFamily="34" charset="0"/>
         <a:buChar char="•"/>
         <a:defRPr sz="2000" kern="1200">
           <a:solidFill>
@@ -2763,7 +2705,7 @@
         <a:spcBef>
           <a:spcPts val="500"/>
         </a:spcBef>
-        <a:buFont typeface="Arial" panose="020B0604020202020204" pitchFamily="34" charset="0"/>
+        <a:buFont typeface="Arial" panose="02080604020202020204" pitchFamily="34" charset="0"/>
         <a:buChar char="•"/>
         <a:defRPr sz="1800" kern="1200">
           <a:solidFill>
@@ -2781,7 +2723,7 @@
         <a:spcBef>
           <a:spcPts val="500"/>
         </a:spcBef>
-        <a:buFont typeface="Arial" panose="020B0604020202020204" pitchFamily="34" charset="0"/>
+        <a:buFont typeface="Arial" panose="02080604020202020204" pitchFamily="34" charset="0"/>
         <a:buChar char="•"/>
         <a:defRPr sz="1800" kern="1200">
           <a:solidFill>
@@ -2799,7 +2741,7 @@
         <a:spcBef>
           <a:spcPts val="500"/>
         </a:spcBef>
-        <a:buFont typeface="Arial" panose="020B0604020202020204" pitchFamily="34" charset="0"/>
+        <a:buFont typeface="Arial" panose="02080604020202020204" pitchFamily="34" charset="0"/>
         <a:buChar char="•"/>
         <a:defRPr sz="1800" kern="1200">
           <a:solidFill>
@@ -2817,7 +2759,7 @@
         <a:spcBef>
           <a:spcPts val="500"/>
         </a:spcBef>
-        <a:buFont typeface="Arial" panose="020B0604020202020204" pitchFamily="34" charset="0"/>
+        <a:buFont typeface="Arial" panose="02080604020202020204" pitchFamily="34" charset="0"/>
         <a:buChar char="•"/>
         <a:defRPr sz="1800" kern="1200">
           <a:solidFill>
@@ -2835,7 +2777,7 @@
         <a:spcBef>
           <a:spcPts val="500"/>
         </a:spcBef>
-        <a:buFont typeface="Arial" panose="020B0604020202020204" pitchFamily="34" charset="0"/>
+        <a:buFont typeface="Arial" panose="02080604020202020204" pitchFamily="34" charset="0"/>
         <a:buChar char="•"/>
         <a:defRPr sz="1800" kern="1200">
           <a:solidFill>
@@ -2853,7 +2795,7 @@
         <a:spcBef>
           <a:spcPts val="500"/>
         </a:spcBef>
-        <a:buFont typeface="Arial" panose="020B0604020202020204" pitchFamily="34" charset="0"/>
+        <a:buFont typeface="Arial" panose="02080604020202020204" pitchFamily="34" charset="0"/>
         <a:buChar char="•"/>
         <a:defRPr sz="1800" kern="1200">
           <a:solidFill>
@@ -3020,11 +2962,6 @@
         </p:txBody>
       </p:sp>
     </p:spTree>
-    <p:extLst>
-      <p:ext uri="{BB962C8B-B14F-4D97-AF65-F5344CB8AC3E}">
-        <p14:creationId xmlns:p14="http://schemas.microsoft.com/office/powerpoint/2010/main" val="3982050415"/>
-      </p:ext>
-    </p:extLst>
   </p:cSld>
   <p:clrMapOvr>
     <a:masterClrMapping/>
@@ -3319,6 +3256,11 @@
               </a:rPr>
               <a:t>Task</a:t>
             </a:r>
+            <a:endParaRPr lang="en-US" altLang="zh-CN" sz="1200" dirty="0" smtClean="0">
+              <a:solidFill>
+                <a:srgbClr val="C00000"/>
+              </a:solidFill>
+            </a:endParaRPr>
           </a:p>
           <a:p>
             <a:pPr algn="ctr"/>
@@ -3390,6 +3332,11 @@
               </a:rPr>
               <a:t>Header</a:t>
             </a:r>
+            <a:endParaRPr lang="en-US" altLang="zh-CN" sz="1200" dirty="0" smtClean="0">
+              <a:solidFill>
+                <a:srgbClr val="C00000"/>
+              </a:solidFill>
+            </a:endParaRPr>
           </a:p>
           <a:p>
             <a:pPr algn="ctr"/>
@@ -3401,6 +3348,11 @@
               </a:rPr>
               <a:t>Ram</a:t>
             </a:r>
+            <a:endParaRPr lang="en-US" altLang="zh-CN" sz="1200" dirty="0" smtClean="0">
+              <a:solidFill>
+                <a:srgbClr val="C00000"/>
+              </a:solidFill>
+            </a:endParaRPr>
           </a:p>
         </p:txBody>
       </p:sp>
@@ -4057,6 +4009,11 @@
                 </a:rPr>
                 <a:t>cpsm</a:t>
               </a:r>
+              <a:endParaRPr lang="en-US" altLang="zh-CN" sz="1200" dirty="0" smtClean="0">
+                <a:solidFill>
+                  <a:srgbClr val="C00000"/>
+                </a:solidFill>
+              </a:endParaRPr>
             </a:p>
             <a:p>
               <a:pPr algn="ctr"/>
@@ -4183,13 +4140,18 @@
             <a:p>
               <a:pPr algn="ctr"/>
               <a:r>
-                <a:rPr lang="en-US" altLang="zh-CN" sz="1200" dirty="0" smtClean="0">
+                <a:rPr lang="en-US" altLang="zh-CN" sz="1000" dirty="0" smtClean="0">
                   <a:solidFill>
                     <a:srgbClr val="C00000"/>
                   </a:solidFill>
                 </a:rPr>
                 <a:t>Match</a:t>
               </a:r>
+              <a:endParaRPr lang="en-US" altLang="zh-CN" sz="1200" dirty="0" smtClean="0">
+                <a:solidFill>
+                  <a:srgbClr val="C00000"/>
+                </a:solidFill>
+              </a:endParaRPr>
             </a:p>
             <a:p>
               <a:pPr algn="ctr"/>
@@ -4309,6 +4271,11 @@
               </a:rPr>
               <a:t>Header</a:t>
             </a:r>
+            <a:endParaRPr lang="en-US" altLang="zh-CN" sz="1200" dirty="0" smtClean="0">
+              <a:solidFill>
+                <a:srgbClr val="C00000"/>
+              </a:solidFill>
+            </a:endParaRPr>
           </a:p>
           <a:p>
             <a:pPr algn="ctr"/>
@@ -4320,6 +4287,11 @@
               </a:rPr>
               <a:t>Ram</a:t>
             </a:r>
+            <a:endParaRPr lang="en-US" altLang="zh-CN" sz="1200" dirty="0" smtClean="0">
+              <a:solidFill>
+                <a:srgbClr val="C00000"/>
+              </a:solidFill>
+            </a:endParaRPr>
           </a:p>
         </p:txBody>
       </p:sp>
@@ -4375,6 +4347,11 @@
               </a:rPr>
               <a:t>Header</a:t>
             </a:r>
+            <a:endParaRPr lang="en-US" altLang="zh-CN" sz="1200" dirty="0" smtClean="0">
+              <a:solidFill>
+                <a:srgbClr val="C00000"/>
+              </a:solidFill>
+            </a:endParaRPr>
           </a:p>
           <a:p>
             <a:pPr algn="ctr"/>
@@ -4386,6 +4363,11 @@
               </a:rPr>
               <a:t>Ram</a:t>
             </a:r>
+            <a:endParaRPr lang="en-US" altLang="zh-CN" sz="1200" dirty="0" smtClean="0">
+              <a:solidFill>
+                <a:srgbClr val="C00000"/>
+              </a:solidFill>
+            </a:endParaRPr>
           </a:p>
         </p:txBody>
       </p:sp>
@@ -4449,25 +4431,30 @@
             <a:p>
               <a:pPr algn="ctr"/>
               <a:r>
-                <a:rPr lang="en-US" altLang="zh-CN" sz="1200" dirty="0" smtClean="0">
+                <a:rPr lang="en-US" altLang="zh-CN" sz="1000" dirty="0" smtClean="0">
                   <a:solidFill>
                     <a:srgbClr val="C00000"/>
                   </a:solidFill>
                 </a:rPr>
                 <a:t>Match</a:t>
               </a:r>
+              <a:endParaRPr lang="en-US" altLang="zh-CN" sz="1000" dirty="0" smtClean="0">
+                <a:solidFill>
+                  <a:srgbClr val="C00000"/>
+                </a:solidFill>
+              </a:endParaRPr>
             </a:p>
             <a:p>
               <a:pPr algn="ctr"/>
               <a:r>
-                <a:rPr lang="en-US" altLang="zh-CN" sz="1200" dirty="0" smtClean="0">
+                <a:rPr lang="en-US" altLang="zh-CN" sz="1000" dirty="0" smtClean="0">
                   <a:solidFill>
                     <a:srgbClr val="C00000"/>
                   </a:solidFill>
                 </a:rPr>
                 <a:t>Ram</a:t>
               </a:r>
-              <a:endParaRPr lang="zh-CN" altLang="en-US" sz="1200" dirty="0">
+              <a:endParaRPr lang="en-US" altLang="zh-CN" sz="1000" dirty="0" smtClean="0">
                 <a:solidFill>
                   <a:srgbClr val="C00000"/>
                 </a:solidFill>
@@ -4515,7 +4502,7 @@
             <a:lstStyle/>
             <a:p>
               <a:pPr algn="ctr"/>
-              <a:endParaRPr lang="zh-CN" altLang="en-US" sz="1200">
+              <a:endParaRPr lang="zh-CN" altLang="en-US" sz="1000">
                 <a:solidFill>
                   <a:srgbClr val="C00000"/>
                 </a:solidFill>
@@ -4598,6 +4585,11 @@
                 </a:rPr>
                 <a:t>cpsm</a:t>
               </a:r>
+              <a:endParaRPr lang="en-US" altLang="zh-CN" sz="1200" dirty="0" smtClean="0">
+                <a:solidFill>
+                  <a:srgbClr val="C00000"/>
+                </a:solidFill>
+              </a:endParaRPr>
             </a:p>
             <a:p>
               <a:pPr algn="ctr"/>
@@ -4753,6 +4745,11 @@
               </a:rPr>
               <a:t>Fill</a:t>
             </a:r>
+            <a:endParaRPr lang="en-US" altLang="zh-CN" sz="1200" dirty="0" smtClean="0">
+              <a:solidFill>
+                <a:srgbClr val="C00000"/>
+              </a:solidFill>
+            </a:endParaRPr>
           </a:p>
           <a:p>
             <a:pPr algn="ctr"/>
@@ -4846,6 +4843,11 @@
                 </a:rPr>
                 <a:t>cpsm</a:t>
               </a:r>
+              <a:endParaRPr lang="en-US" altLang="zh-CN" sz="1200" dirty="0" smtClean="0">
+                <a:solidFill>
+                  <a:srgbClr val="C00000"/>
+                </a:solidFill>
+              </a:endParaRPr>
             </a:p>
             <a:p>
               <a:pPr algn="ctr"/>
@@ -4965,6 +4967,11 @@
               </a:rPr>
               <a:t>Header</a:t>
             </a:r>
+            <a:endParaRPr lang="en-US" altLang="zh-CN" sz="1200" dirty="0" smtClean="0">
+              <a:solidFill>
+                <a:srgbClr val="C00000"/>
+              </a:solidFill>
+            </a:endParaRPr>
           </a:p>
           <a:p>
             <a:pPr algn="ctr"/>
@@ -4976,6 +4983,11 @@
               </a:rPr>
               <a:t>Ram</a:t>
             </a:r>
+            <a:endParaRPr lang="en-US" altLang="zh-CN" sz="1200" dirty="0" smtClean="0">
+              <a:solidFill>
+                <a:srgbClr val="C00000"/>
+              </a:solidFill>
+            </a:endParaRPr>
           </a:p>
         </p:txBody>
       </p:sp>
@@ -5031,6 +5043,11 @@
               </a:rPr>
               <a:t>Fill</a:t>
             </a:r>
+            <a:endParaRPr lang="en-US" altLang="zh-CN" sz="1200" dirty="0" smtClean="0">
+              <a:solidFill>
+                <a:srgbClr val="C00000"/>
+              </a:solidFill>
+            </a:endParaRPr>
           </a:p>
           <a:p>
             <a:pPr algn="ctr"/>
@@ -5222,6 +5239,11 @@
               </a:rPr>
               <a:t>RB</a:t>
             </a:r>
+            <a:endParaRPr lang="en-US" altLang="zh-CN" sz="1200" dirty="0" smtClean="0">
+              <a:solidFill>
+                <a:srgbClr val="C00000"/>
+              </a:solidFill>
+            </a:endParaRPr>
           </a:p>
           <a:p>
             <a:pPr algn="ctr"/>
@@ -5293,11 +5315,16 @@
               </a:rPr>
               <a:t>Byte</a:t>
             </a:r>
+            <a:endParaRPr lang="en-US" altLang="zh-CN" sz="1200" dirty="0" smtClean="0">
+              <a:solidFill>
+                <a:srgbClr val="C00000"/>
+              </a:solidFill>
+            </a:endParaRPr>
           </a:p>
           <a:p>
             <a:pPr algn="ctr"/>
             <a:r>
-              <a:rPr lang="en-US" altLang="zh-CN" sz="1200" dirty="0" smtClean="0">
+              <a:rPr lang="en-US" altLang="zh-CN" sz="1000" dirty="0" smtClean="0">
                 <a:solidFill>
                   <a:srgbClr val="C00000"/>
                 </a:solidFill>
@@ -5660,11 +5687,6 @@
         </p:style>
       </p:cxnSp>
     </p:spTree>
-    <p:extLst>
-      <p:ext uri="{BB962C8B-B14F-4D97-AF65-F5344CB8AC3E}">
-        <p14:creationId xmlns:p14="http://schemas.microsoft.com/office/powerpoint/2010/main" val="3916966388"/>
-      </p:ext>
-    </p:extLst>
   </p:cSld>
   <p:clrMapOvr>
     <a:masterClrMapping/>
@@ -5676,6 +5698,32 @@
       </p:par>
     </p:tnLst>
   </p:timing>
+</p:sld>
+</file>
+
+<file path=ppt/slides/slide3.xml><?xml version="1.0" encoding="utf-8"?>
+<p:sld xmlns:a="http://schemas.openxmlformats.org/drawingml/2006/main" xmlns:r="http://schemas.openxmlformats.org/officeDocument/2006/relationships" xmlns:p="http://schemas.openxmlformats.org/presentationml/2006/main">
+  <p:cSld>
+    <p:bg>
+      <p:bgPr>
+        <a:solidFill>
+          <a:schemeClr val="tx1"/>
+        </a:solidFill>
+        <a:effectLst/>
+      </p:bgPr>
+    </p:bg>
+    <p:spTree>
+      <p:nvGrpSpPr>
+        <p:cNvPr id="1" name=""/>
+        <p:cNvGrpSpPr/>
+        <p:nvPr/>
+      </p:nvGrpSpPr>
+      <p:grpSpPr/>
+    </p:spTree>
+  </p:cSld>
+  <p:clrMapOvr>
+    <a:masterClrMapping/>
+  </p:clrMapOvr>
 </p:sld>
 </file>
 
@@ -5722,7 +5770,7 @@
     </a:clrScheme>
     <a:fontScheme name="Office">
       <a:majorFont>
-        <a:latin typeface="等线 Light" panose="020F0302020204030204"/>
+        <a:latin typeface="等线 Light"/>
         <a:ea typeface=""/>
         <a:cs typeface=""/>
         <a:font script="Jpan" typeface="游ゴシック Light"/>
@@ -5757,7 +5805,7 @@
         <a:font script="Geor" typeface="Sylfaen"/>
       </a:majorFont>
       <a:minorFont>
-        <a:latin typeface="等线" panose="020F0502020204030204"/>
+        <a:latin typeface="等线"/>
         <a:ea typeface=""/>
         <a:cs typeface=""/>
         <a:font script="Jpan" typeface="游ゴシック"/>
@@ -5930,8 +5978,6 @@
       </a:bgFillStyleLst>
     </a:fmtScheme>
   </a:themeElements>
-  <a:objectDefaults/>
-  <a:extraClrSchemeLst/>
   <a:extLst>
     <a:ext uri="{05A4C25C-085E-4340-85A3-A5531E510DB2}">
       <thm15:themeFamily xmlns:thm15="http://schemas.microsoft.com/office/thememl/2012/main" name="Office Theme" id="{62F939B6-93AF-4DB8-9C6B-D6C7DFDC589F}" vid="{4A3C46E8-61CC-4603-A589-7422A47A8E4A}"/>
